--- a/Machine Learning R Courses.pptx
+++ b/Machine Learning R Courses.pptx
@@ -11,7 +11,8 @@
     <p:sldId id="259" r:id="rId5"/>
     <p:sldId id="260" r:id="rId6"/>
     <p:sldId id="261" r:id="rId7"/>
-    <p:sldId id="262" r:id="rId8"/>
+    <p:sldId id="263" r:id="rId8"/>
+    <p:sldId id="262" r:id="rId9"/>
   </p:sldIdLst>
   <p:sldSz cx="12192000" cy="6858000"/>
   <p:notesSz cx="6858000" cy="9144000"/>
@@ -260,7 +261,7 @@
           <a:p>
             <a:fld id="{019EE046-1B55-45D7-A9C9-1BBD0F2E884A}" type="datetimeFigureOut">
               <a:rPr lang="en-US" smtClean="0"/>
-              <a:t>3/1/2019</a:t>
+              <a:t>3/5/2019</a:t>
             </a:fld>
             <a:endParaRPr lang="en-US"/>
           </a:p>
@@ -430,7 +431,7 @@
           <a:p>
             <a:fld id="{019EE046-1B55-45D7-A9C9-1BBD0F2E884A}" type="datetimeFigureOut">
               <a:rPr lang="en-US" smtClean="0"/>
-              <a:t>3/1/2019</a:t>
+              <a:t>3/5/2019</a:t>
             </a:fld>
             <a:endParaRPr lang="en-US"/>
           </a:p>
@@ -610,7 +611,7 @@
           <a:p>
             <a:fld id="{019EE046-1B55-45D7-A9C9-1BBD0F2E884A}" type="datetimeFigureOut">
               <a:rPr lang="en-US" smtClean="0"/>
-              <a:t>3/1/2019</a:t>
+              <a:t>3/5/2019</a:t>
             </a:fld>
             <a:endParaRPr lang="en-US"/>
           </a:p>
@@ -780,7 +781,7 @@
           <a:p>
             <a:fld id="{019EE046-1B55-45D7-A9C9-1BBD0F2E884A}" type="datetimeFigureOut">
               <a:rPr lang="en-US" smtClean="0"/>
-              <a:t>3/1/2019</a:t>
+              <a:t>3/5/2019</a:t>
             </a:fld>
             <a:endParaRPr lang="en-US"/>
           </a:p>
@@ -1026,7 +1027,7 @@
           <a:p>
             <a:fld id="{019EE046-1B55-45D7-A9C9-1BBD0F2E884A}" type="datetimeFigureOut">
               <a:rPr lang="en-US" smtClean="0"/>
-              <a:t>3/1/2019</a:t>
+              <a:t>3/5/2019</a:t>
             </a:fld>
             <a:endParaRPr lang="en-US"/>
           </a:p>
@@ -1258,7 +1259,7 @@
           <a:p>
             <a:fld id="{019EE046-1B55-45D7-A9C9-1BBD0F2E884A}" type="datetimeFigureOut">
               <a:rPr lang="en-US" smtClean="0"/>
-              <a:t>3/1/2019</a:t>
+              <a:t>3/5/2019</a:t>
             </a:fld>
             <a:endParaRPr lang="en-US"/>
           </a:p>
@@ -1625,7 +1626,7 @@
           <a:p>
             <a:fld id="{019EE046-1B55-45D7-A9C9-1BBD0F2E884A}" type="datetimeFigureOut">
               <a:rPr lang="en-US" smtClean="0"/>
-              <a:t>3/1/2019</a:t>
+              <a:t>3/5/2019</a:t>
             </a:fld>
             <a:endParaRPr lang="en-US"/>
           </a:p>
@@ -1743,7 +1744,7 @@
           <a:p>
             <a:fld id="{019EE046-1B55-45D7-A9C9-1BBD0F2E884A}" type="datetimeFigureOut">
               <a:rPr lang="en-US" smtClean="0"/>
-              <a:t>3/1/2019</a:t>
+              <a:t>3/5/2019</a:t>
             </a:fld>
             <a:endParaRPr lang="en-US"/>
           </a:p>
@@ -1838,7 +1839,7 @@
           <a:p>
             <a:fld id="{019EE046-1B55-45D7-A9C9-1BBD0F2E884A}" type="datetimeFigureOut">
               <a:rPr lang="en-US" smtClean="0"/>
-              <a:t>3/1/2019</a:t>
+              <a:t>3/5/2019</a:t>
             </a:fld>
             <a:endParaRPr lang="en-US"/>
           </a:p>
@@ -2115,7 +2116,7 @@
           <a:p>
             <a:fld id="{019EE046-1B55-45D7-A9C9-1BBD0F2E884A}" type="datetimeFigureOut">
               <a:rPr lang="en-US" smtClean="0"/>
-              <a:t>3/1/2019</a:t>
+              <a:t>3/5/2019</a:t>
             </a:fld>
             <a:endParaRPr lang="en-US"/>
           </a:p>
@@ -2368,7 +2369,7 @@
           <a:p>
             <a:fld id="{019EE046-1B55-45D7-A9C9-1BBD0F2E884A}" type="datetimeFigureOut">
               <a:rPr lang="en-US" smtClean="0"/>
-              <a:t>3/1/2019</a:t>
+              <a:t>3/5/2019</a:t>
             </a:fld>
             <a:endParaRPr lang="en-US"/>
           </a:p>
@@ -2581,7 +2582,7 @@
           <a:p>
             <a:fld id="{019EE046-1B55-45D7-A9C9-1BBD0F2E884A}" type="datetimeFigureOut">
               <a:rPr lang="en-US" smtClean="0"/>
-              <a:t>3/1/2019</a:t>
+              <a:t>3/5/2019</a:t>
             </a:fld>
             <a:endParaRPr lang="en-US"/>
           </a:p>
@@ -3909,17 +3910,8 @@
               <a:rPr lang="en-US" sz="1200" smtClean="0">
                 <a:latin typeface="Consolas" panose="020B0609020204030204" pitchFamily="49" charset="0"/>
               </a:rPr>
-              <a:t>model &lt;- glm(Class ~., family = “binomial”, </a:t>
-            </a:r>
-            <a:r>
-              <a:rPr lang="en-US" sz="1200" smtClean="0">
-                <a:latin typeface="Consolas" panose="020B0609020204030204" pitchFamily="49" charset="0"/>
-              </a:rPr>
-              <a:t>Sonar_train)</a:t>
-            </a:r>
-            <a:endParaRPr lang="en-US" sz="1200" smtClean="0">
-              <a:latin typeface="Consolas" panose="020B0609020204030204" pitchFamily="49" charset="0"/>
-            </a:endParaRPr>
+              <a:t>model &lt;- glm(Class ~., family = “binomial”, Sonar_train)</a:t>
+            </a:r>
           </a:p>
           <a:p>
             <a:endParaRPr lang="en-US" sz="1200">
@@ -3931,13 +3923,7 @@
               <a:rPr lang="en-US" sz="1200" smtClean="0">
                 <a:latin typeface="Consolas" panose="020B0609020204030204" pitchFamily="49" charset="0"/>
               </a:rPr>
-              <a:t>prediction &lt;- predict(model, Sonar_test, type = “response</a:t>
-            </a:r>
-            <a:r>
-              <a:rPr lang="en-US" sz="1200" smtClean="0">
-                <a:latin typeface="Consolas" panose="020B0609020204030204" pitchFamily="49" charset="0"/>
-              </a:rPr>
-              <a:t>”)</a:t>
+              <a:t>prediction &lt;- predict(model, Sonar_test, type = “response”)</a:t>
             </a:r>
           </a:p>
           <a:p>
@@ -3976,17 +3962,8 @@
               <a:rPr lang="en-US" sz="1200" smtClean="0">
                 <a:latin typeface="Consolas" panose="020B0609020204030204" pitchFamily="49" charset="0"/>
               </a:rPr>
-              <a:t>confus</a:t>
-            </a:r>
-            <a:r>
-              <a:rPr lang="en-US" sz="1200" smtClean="0">
-                <a:latin typeface="Consolas" panose="020B0609020204030204" pitchFamily="49" charset="0"/>
-              </a:rPr>
-              <a:t>ionMatrix(prediction_cf, Sonar_test$Class)</a:t>
-            </a:r>
-            <a:endParaRPr lang="en-US" sz="1200" smtClean="0">
-              <a:latin typeface="Consolas" panose="020B0609020204030204" pitchFamily="49" charset="0"/>
-            </a:endParaRPr>
+              <a:t>confusionMatrix(prediction_cf, Sonar_test$Class)</a:t>
+            </a:r>
           </a:p>
         </p:txBody>
       </p:sp>
@@ -4584,9 +4561,6 @@
               </a:rPr>
               <a:t>summary(donation_model)</a:t>
             </a:r>
-            <a:endParaRPr lang="en-US" sz="1200" smtClean="0">
-              <a:latin typeface="Consolas" panose="020B0609020204030204" pitchFamily="49" charset="0"/>
-            </a:endParaRPr>
           </a:p>
         </p:txBody>
       </p:sp>
@@ -5127,6 +5101,298 @@
 </file>
 
 <file path=ppt/slides/slide7.xml><?xml version="1.0" encoding="utf-8"?>
+<p:sld xmlns:a="http://schemas.openxmlformats.org/drawingml/2006/main" xmlns:r="http://schemas.openxmlformats.org/officeDocument/2006/relationships" xmlns:p="http://schemas.openxmlformats.org/presentationml/2006/main">
+  <p:cSld>
+    <p:spTree>
+      <p:nvGrpSpPr>
+        <p:cNvPr id="1" name=""/>
+        <p:cNvGrpSpPr/>
+        <p:nvPr/>
+      </p:nvGrpSpPr>
+      <p:grpSpPr>
+        <a:xfrm>
+          <a:off x="0" y="0"/>
+          <a:ext cx="0" cy="0"/>
+          <a:chOff x="0" y="0"/>
+          <a:chExt cx="0" cy="0"/>
+        </a:xfrm>
+      </p:grpSpPr>
+      <p:sp>
+        <p:nvSpPr>
+          <p:cNvPr id="5" name="Title 4"/>
+          <p:cNvSpPr>
+            <a:spLocks noGrp="1"/>
+          </p:cNvSpPr>
+          <p:nvPr>
+            <p:ph type="title"/>
+          </p:nvPr>
+        </p:nvSpPr>
+        <p:spPr>
+          <a:xfrm>
+            <a:off x="838200" y="365126"/>
+            <a:ext cx="10515600" cy="591110"/>
+          </a:xfrm>
+        </p:spPr>
+        <p:txBody>
+          <a:bodyPr>
+            <a:normAutofit fontScale="90000"/>
+          </a:bodyPr>
+          <a:lstStyle/>
+          <a:p>
+            <a:r>
+              <a:rPr lang="en-US" smtClean="0"/>
+              <a:t>Logistic </a:t>
+            </a:r>
+            <a:r>
+              <a:rPr lang="en-US" smtClean="0"/>
+              <a:t>Regression (Continued)</a:t>
+            </a:r>
+            <a:endParaRPr lang="en-US"/>
+          </a:p>
+        </p:txBody>
+      </p:sp>
+      <p:sp>
+        <p:nvSpPr>
+          <p:cNvPr id="10" name="Content Placeholder 5"/>
+          <p:cNvSpPr txBox="1">
+            <a:spLocks/>
+          </p:cNvSpPr>
+          <p:nvPr/>
+        </p:nvSpPr>
+        <p:spPr>
+          <a:xfrm>
+            <a:off x="838200" y="1069788"/>
+            <a:ext cx="10690413" cy="1237130"/>
+          </a:xfrm>
+          <a:prstGeom prst="rect">
+            <a:avLst/>
+          </a:prstGeom>
+        </p:spPr>
+        <p:txBody>
+          <a:bodyPr vert="horz" lIns="91440" tIns="45720" rIns="91440" bIns="45720" rtlCol="0">
+            <a:normAutofit fontScale="92500"/>
+          </a:bodyPr>
+          <a:lstStyle>
+            <a:lvl1pPr marL="228600" indent="-228600" algn="l" defTabSz="914400" rtl="0" eaLnBrk="1" latinLnBrk="0" hangingPunct="1">
+              <a:lnSpc>
+                <a:spcPct val="90000"/>
+              </a:lnSpc>
+              <a:spcBef>
+                <a:spcPts val="1000"/>
+              </a:spcBef>
+              <a:buFont typeface="Arial" panose="020B0604020202020204" pitchFamily="34" charset="0"/>
+              <a:buChar char="•"/>
+              <a:defRPr sz="2800" kern="1200">
+                <a:solidFill>
+                  <a:schemeClr val="tx1"/>
+                </a:solidFill>
+                <a:latin typeface="+mn-lt"/>
+                <a:ea typeface="+mn-ea"/>
+                <a:cs typeface="+mn-cs"/>
+              </a:defRPr>
+            </a:lvl1pPr>
+            <a:lvl2pPr marL="685800" indent="-228600" algn="l" defTabSz="914400" rtl="0" eaLnBrk="1" latinLnBrk="0" hangingPunct="1">
+              <a:lnSpc>
+                <a:spcPct val="90000"/>
+              </a:lnSpc>
+              <a:spcBef>
+                <a:spcPts val="500"/>
+              </a:spcBef>
+              <a:buFont typeface="Arial" panose="020B0604020202020204" pitchFamily="34" charset="0"/>
+              <a:buChar char="•"/>
+              <a:defRPr sz="2400" kern="1200">
+                <a:solidFill>
+                  <a:schemeClr val="tx1"/>
+                </a:solidFill>
+                <a:latin typeface="+mn-lt"/>
+                <a:ea typeface="+mn-ea"/>
+                <a:cs typeface="+mn-cs"/>
+              </a:defRPr>
+            </a:lvl2pPr>
+            <a:lvl3pPr marL="1143000" indent="-228600" algn="l" defTabSz="914400" rtl="0" eaLnBrk="1" latinLnBrk="0" hangingPunct="1">
+              <a:lnSpc>
+                <a:spcPct val="90000"/>
+              </a:lnSpc>
+              <a:spcBef>
+                <a:spcPts val="500"/>
+              </a:spcBef>
+              <a:buFont typeface="Arial" panose="020B0604020202020204" pitchFamily="34" charset="0"/>
+              <a:buChar char="•"/>
+              <a:defRPr sz="2000" kern="1200">
+                <a:solidFill>
+                  <a:schemeClr val="tx1"/>
+                </a:solidFill>
+                <a:latin typeface="+mn-lt"/>
+                <a:ea typeface="+mn-ea"/>
+                <a:cs typeface="+mn-cs"/>
+              </a:defRPr>
+            </a:lvl3pPr>
+            <a:lvl4pPr marL="1600200" indent="-228600" algn="l" defTabSz="914400" rtl="0" eaLnBrk="1" latinLnBrk="0" hangingPunct="1">
+              <a:lnSpc>
+                <a:spcPct val="90000"/>
+              </a:lnSpc>
+              <a:spcBef>
+                <a:spcPts val="500"/>
+              </a:spcBef>
+              <a:buFont typeface="Arial" panose="020B0604020202020204" pitchFamily="34" charset="0"/>
+              <a:buChar char="•"/>
+              <a:defRPr sz="1800" kern="1200">
+                <a:solidFill>
+                  <a:schemeClr val="tx1"/>
+                </a:solidFill>
+                <a:latin typeface="+mn-lt"/>
+                <a:ea typeface="+mn-ea"/>
+                <a:cs typeface="+mn-cs"/>
+              </a:defRPr>
+            </a:lvl4pPr>
+            <a:lvl5pPr marL="2057400" indent="-228600" algn="l" defTabSz="914400" rtl="0" eaLnBrk="1" latinLnBrk="0" hangingPunct="1">
+              <a:lnSpc>
+                <a:spcPct val="90000"/>
+              </a:lnSpc>
+              <a:spcBef>
+                <a:spcPts val="500"/>
+              </a:spcBef>
+              <a:buFont typeface="Arial" panose="020B0604020202020204" pitchFamily="34" charset="0"/>
+              <a:buChar char="•"/>
+              <a:defRPr sz="1800" kern="1200">
+                <a:solidFill>
+                  <a:schemeClr val="tx1"/>
+                </a:solidFill>
+                <a:latin typeface="+mn-lt"/>
+                <a:ea typeface="+mn-ea"/>
+                <a:cs typeface="+mn-cs"/>
+              </a:defRPr>
+            </a:lvl5pPr>
+            <a:lvl6pPr marL="2514600" indent="-228600" algn="l" defTabSz="914400" rtl="0" eaLnBrk="1" latinLnBrk="0" hangingPunct="1">
+              <a:lnSpc>
+                <a:spcPct val="90000"/>
+              </a:lnSpc>
+              <a:spcBef>
+                <a:spcPts val="500"/>
+              </a:spcBef>
+              <a:buFont typeface="Arial" panose="020B0604020202020204" pitchFamily="34" charset="0"/>
+              <a:buChar char="•"/>
+              <a:defRPr sz="1800" kern="1200">
+                <a:solidFill>
+                  <a:schemeClr val="tx1"/>
+                </a:solidFill>
+                <a:latin typeface="+mn-lt"/>
+                <a:ea typeface="+mn-ea"/>
+                <a:cs typeface="+mn-cs"/>
+              </a:defRPr>
+            </a:lvl6pPr>
+            <a:lvl7pPr marL="2971800" indent="-228600" algn="l" defTabSz="914400" rtl="0" eaLnBrk="1" latinLnBrk="0" hangingPunct="1">
+              <a:lnSpc>
+                <a:spcPct val="90000"/>
+              </a:lnSpc>
+              <a:spcBef>
+                <a:spcPts val="500"/>
+              </a:spcBef>
+              <a:buFont typeface="Arial" panose="020B0604020202020204" pitchFamily="34" charset="0"/>
+              <a:buChar char="•"/>
+              <a:defRPr sz="1800" kern="1200">
+                <a:solidFill>
+                  <a:schemeClr val="tx1"/>
+                </a:solidFill>
+                <a:latin typeface="+mn-lt"/>
+                <a:ea typeface="+mn-ea"/>
+                <a:cs typeface="+mn-cs"/>
+              </a:defRPr>
+            </a:lvl7pPr>
+            <a:lvl8pPr marL="3429000" indent="-228600" algn="l" defTabSz="914400" rtl="0" eaLnBrk="1" latinLnBrk="0" hangingPunct="1">
+              <a:lnSpc>
+                <a:spcPct val="90000"/>
+              </a:lnSpc>
+              <a:spcBef>
+                <a:spcPts val="500"/>
+              </a:spcBef>
+              <a:buFont typeface="Arial" panose="020B0604020202020204" pitchFamily="34" charset="0"/>
+              <a:buChar char="•"/>
+              <a:defRPr sz="1800" kern="1200">
+                <a:solidFill>
+                  <a:schemeClr val="tx1"/>
+                </a:solidFill>
+                <a:latin typeface="+mn-lt"/>
+                <a:ea typeface="+mn-ea"/>
+                <a:cs typeface="+mn-cs"/>
+              </a:defRPr>
+            </a:lvl8pPr>
+            <a:lvl9pPr marL="3886200" indent="-228600" algn="l" defTabSz="914400" rtl="0" eaLnBrk="1" latinLnBrk="0" hangingPunct="1">
+              <a:lnSpc>
+                <a:spcPct val="90000"/>
+              </a:lnSpc>
+              <a:spcBef>
+                <a:spcPts val="500"/>
+              </a:spcBef>
+              <a:buFont typeface="Arial" panose="020B0604020202020204" pitchFamily="34" charset="0"/>
+              <a:buChar char="•"/>
+              <a:defRPr sz="1800" kern="1200">
+                <a:solidFill>
+                  <a:schemeClr val="tx1"/>
+                </a:solidFill>
+                <a:latin typeface="+mn-lt"/>
+                <a:ea typeface="+mn-ea"/>
+                <a:cs typeface="+mn-cs"/>
+              </a:defRPr>
+            </a:lvl9pPr>
+          </a:lstStyle>
+          <a:p>
+            <a:pPr marL="0" indent="0">
+              <a:buFont typeface="Arial" panose="020B0604020202020204" pitchFamily="34" charset="0"/>
+              <a:buNone/>
+            </a:pPr>
+            <a:r>
+              <a:rPr lang="en-US" sz="1600" b="1" u="sng" smtClean="0"/>
+              <a:t>What to do when using logistic regression when positive outcomes are rare...</a:t>
+            </a:r>
+            <a:r>
+              <a:rPr lang="en-US" sz="1600" smtClean="0"/>
+              <a:t> </a:t>
+            </a:r>
+          </a:p>
+          <a:p>
+            <a:pPr marL="0" indent="0">
+              <a:buFont typeface="Arial" panose="020B0604020202020204" pitchFamily="34" charset="0"/>
+              <a:buNone/>
+            </a:pPr>
+            <a:r>
+              <a:rPr lang="en-US" sz="1600" smtClean="0"/>
+              <a:t>The challenge is that prediction negative outcome for all observations results in better overall prediction accuracy but results in 0% accuracy for predicting positive outcomes.</a:t>
+            </a:r>
+          </a:p>
+          <a:p>
+            <a:pPr marL="0" indent="0">
+              <a:buFont typeface="Arial" panose="020B0604020202020204" pitchFamily="34" charset="0"/>
+              <a:buNone/>
+            </a:pPr>
+            <a:r>
+              <a:rPr lang="en-US" sz="1600" smtClean="0"/>
+              <a:t>In this scenario it is oftentimes better to sacrifice overall accuracy in order to improve accuracy for predicting positive outcomes.</a:t>
+            </a:r>
+          </a:p>
+          <a:p>
+            <a:pPr marL="0" indent="0">
+              <a:buFont typeface="Arial" panose="020B0604020202020204" pitchFamily="34" charset="0"/>
+              <a:buNone/>
+            </a:pPr>
+            <a:endParaRPr lang="en-US" sz="1600"/>
+          </a:p>
+        </p:txBody>
+      </p:sp>
+    </p:spTree>
+    <p:extLst>
+      <p:ext uri="{BB962C8B-B14F-4D97-AF65-F5344CB8AC3E}">
+        <p14:creationId xmlns:p14="http://schemas.microsoft.com/office/powerpoint/2010/main" val="3678449727"/>
+      </p:ext>
+    </p:extLst>
+  </p:cSld>
+  <p:clrMapOvr>
+    <a:masterClrMapping/>
+  </p:clrMapOvr>
+</p:sld>
+</file>
+
+<file path=ppt/slides/slide8.xml><?xml version="1.0" encoding="utf-8"?>
 <p:sld xmlns:a="http://schemas.openxmlformats.org/drawingml/2006/main" xmlns:r="http://schemas.openxmlformats.org/officeDocument/2006/relationships" xmlns:p="http://schemas.openxmlformats.org/presentationml/2006/main">
   <p:cSld>
     <p:spTree>
